--- a/Crime_Busters_Presentation.pptx
+++ b/Crime_Busters_Presentation.pptx
@@ -16,8 +16,8 @@
     <p:sldId id="297" r:id="rId4"/>
     <p:sldId id="261" r:id="rId5"/>
     <p:sldId id="296" r:id="rId6"/>
-    <p:sldId id="298" r:id="rId7"/>
-    <p:sldId id="295" r:id="rId8"/>
+    <p:sldId id="295" r:id="rId7"/>
+    <p:sldId id="298" r:id="rId8"/>
     <p:sldId id="278" r:id="rId9"/>
   </p:sldIdLst>
   <p:sldSz cx="9144000" cy="6858000" type="screen4x3"/>
@@ -218,7 +218,7 @@
           <a:p>
             <a:fld id="{DE6D1952-4C8C-594A-8D47-CC3EBD31CD69}" type="datetimeFigureOut">
               <a:rPr lang="en-US" smtClean="0"/>
-              <a:t>10/23/2019</a:t>
+              <a:t>10/25/2019</a:t>
             </a:fld>
             <a:endParaRPr lang="en-US"/>
           </a:p>
@@ -384,7 +384,7 @@
           <a:p>
             <a:fld id="{5AE82BA9-193E-D440-8A2C-9653656F2AE3}" type="datetimeFigureOut">
               <a:rPr lang="en-US" smtClean="0"/>
-              <a:t>10/23/2019</a:t>
+              <a:t>10/25/2019</a:t>
             </a:fld>
             <a:endParaRPr lang="en-US"/>
           </a:p>
@@ -693,7 +693,7 @@
             <a:fld id="{D3421027-4EC0-9C48-8CFB-B8A3104CB056}" type="datetime1">
               <a:rPr lang="en-US" smtClean="0"/>
               <a:pPr/>
-              <a:t>10/23/2019</a:t>
+              <a:t>10/25/2019</a:t>
             </a:fld>
             <a:endParaRPr lang="en-US"/>
           </a:p>
@@ -971,7 +971,7 @@
             <a:fld id="{B362BA78-8688-C546-A03A-2A39F84C0B58}" type="datetime1">
               <a:rPr lang="en-US" smtClean="0"/>
               <a:pPr/>
-              <a:t>10/23/2019</a:t>
+              <a:t>10/25/2019</a:t>
             </a:fld>
             <a:endParaRPr lang="en-US"/>
           </a:p>
@@ -1191,7 +1191,7 @@
             <a:fld id="{EF5B9135-15EF-DE46-84CC-16626B0FAF7F}" type="datetime1">
               <a:rPr lang="en-US" smtClean="0"/>
               <a:pPr/>
-              <a:t>10/23/2019</a:t>
+              <a:t>10/25/2019</a:t>
             </a:fld>
             <a:endParaRPr lang="en-US"/>
           </a:p>
@@ -1439,7 +1439,7 @@
           <a:p>
             <a:fld id="{99477ADD-011F-3541-9724-9C7FC92455D5}" type="datetime1">
               <a:rPr lang="en-US" smtClean="0"/>
-              <a:t>10/23/2019</a:t>
+              <a:t>10/25/2019</a:t>
             </a:fld>
             <a:endParaRPr lang="en-US"/>
           </a:p>
@@ -1811,7 +1811,7 @@
           <a:p>
             <a:fld id="{FA5DAB8B-8178-D047-869E-5A62AF236443}" type="datetime1">
               <a:rPr lang="en-US" smtClean="0"/>
-              <a:t>10/23/2019</a:t>
+              <a:t>10/25/2019</a:t>
             </a:fld>
             <a:endParaRPr lang="en-US" dirty="0"/>
           </a:p>
@@ -2025,7 +2025,7 @@
             <a:fld id="{B9AB8213-A564-3C44-8CA0-968996562138}" type="datetime1">
               <a:rPr lang="en-US" smtClean="0"/>
               <a:pPr/>
-              <a:t>10/23/2019</a:t>
+              <a:t>10/25/2019</a:t>
             </a:fld>
             <a:endParaRPr lang="en-US"/>
           </a:p>
@@ -2295,7 +2295,7 @@
             <a:fld id="{0A83DA12-03A5-114A-ABAE-78CD6BB6AC19}" type="datetime1">
               <a:rPr lang="en-US" smtClean="0"/>
               <a:pPr/>
-              <a:t>10/23/2019</a:t>
+              <a:t>10/25/2019</a:t>
             </a:fld>
             <a:endParaRPr lang="en-US"/>
           </a:p>
@@ -2626,7 +2626,7 @@
             <a:fld id="{1FFF386F-14E4-954A-9EC2-E277FFD66D49}" type="datetime1">
               <a:rPr lang="en-US" smtClean="0"/>
               <a:pPr/>
-              <a:t>10/23/2019</a:t>
+              <a:t>10/25/2019</a:t>
             </a:fld>
             <a:endParaRPr lang="en-US"/>
           </a:p>
@@ -3095,7 +3095,7 @@
             <a:fld id="{D8FFCF06-3344-8345-BEA6-DDAEFCC6ECCE}" type="datetime1">
               <a:rPr lang="en-US" smtClean="0"/>
               <a:pPr/>
-              <a:t>10/23/2019</a:t>
+              <a:t>10/25/2019</a:t>
             </a:fld>
             <a:endParaRPr lang="en-US"/>
           </a:p>
@@ -3238,7 +3238,7 @@
             <a:fld id="{84C6D879-35D4-554E-9D6D-93E8130AA922}" type="datetime1">
               <a:rPr lang="en-US" smtClean="0"/>
               <a:pPr/>
-              <a:t>10/23/2019</a:t>
+              <a:t>10/25/2019</a:t>
             </a:fld>
             <a:endParaRPr lang="en-US"/>
           </a:p>
@@ -3547,7 +3547,7 @@
             <a:fld id="{AB182AE3-760A-8E44-AB65-03A533386DFC}" type="datetime1">
               <a:rPr lang="en-US" smtClean="0"/>
               <a:pPr/>
-              <a:t>10/23/2019</a:t>
+              <a:t>10/25/2019</a:t>
             </a:fld>
             <a:endParaRPr lang="en-US"/>
           </a:p>
@@ -3801,7 +3801,7 @@
           <a:p>
             <a:fld id="{D98C176C-065F-124D-AAA4-94F2B7A2EC7C}" type="datetime1">
               <a:rPr lang="en-US" smtClean="0"/>
-              <a:t>10/23/2019</a:t>
+              <a:t>10/25/2019</a:t>
             </a:fld>
             <a:endParaRPr lang="en-US"/>
           </a:p>
@@ -4201,7 +4201,7 @@
         </p:blipFill>
         <p:spPr>
           <a:xfrm>
-            <a:off x="12700" y="0"/>
+            <a:off x="-1" y="-88777"/>
             <a:ext cx="9144000" cy="6858000"/>
           </a:xfrm>
           <a:prstGeom prst="rect">
@@ -4270,6 +4270,14 @@
           <a:lstStyle/>
           <a:p>
             <a:r>
+              <a:rPr lang="en-US" sz="2400" dirty="0">
+                <a:solidFill>
+                  <a:schemeClr val="bg1"/>
+                </a:solidFill>
+              </a:rPr>
+              <a:t>Petra Lee, Abdullah Sher, </a:t>
+            </a:r>
+            <a:r>
               <a:rPr lang="en-US" sz="2400" dirty="0" err="1">
                 <a:solidFill>
                   <a:schemeClr val="bg1"/>
@@ -4299,46 +4307,64 @@
                   <a:schemeClr val="bg1"/>
                 </a:solidFill>
               </a:rPr>
-              <a:t>, Petra Lee, Abdullah Sher,, Rick Clauss, Hadijat Makinde, </a:t>
-            </a:r>
-          </a:p>
-        </p:txBody>
-      </p:sp>
-      <p:pic>
-        <p:nvPicPr>
-          <p:cNvPr id="6" name="Picture 5">
-            <a:extLst>
-              <a:ext uri="{FF2B5EF4-FFF2-40B4-BE49-F238E27FC236}">
-                <a16:creationId xmlns:a16="http://schemas.microsoft.com/office/drawing/2014/main" id="{F69B6369-7A23-2140-A9F5-166E89F8345B}"/>
-              </a:ext>
-            </a:extLst>
-          </p:cNvPr>
-          <p:cNvPicPr>
-            <a:picLocks noChangeAspect="1"/>
-          </p:cNvPicPr>
-          <p:nvPr/>
-        </p:nvPicPr>
-        <p:blipFill rotWithShape="1">
-          <a:blip r:embed="rId3"/>
-          <a:srcRect b="81578"/>
-          <a:stretch/>
-        </p:blipFill>
-        <p:spPr>
-          <a:xfrm>
-            <a:off x="974033" y="6332352"/>
-            <a:ext cx="6353112" cy="592426"/>
-          </a:xfrm>
-          <a:prstGeom prst="rect">
-            <a:avLst/>
-          </a:prstGeom>
-        </p:spPr>
-      </p:pic>
+              <a:t>, Rick Clauss, Hadijat Makinde, </a:t>
+            </a:r>
+          </a:p>
+        </p:txBody>
+      </p:sp>
       <p:pic>
         <p:nvPicPr>
           <p:cNvPr id="1025" name="Picture 1" descr="page1image9496320">
             <a:extLst>
               <a:ext uri="{FF2B5EF4-FFF2-40B4-BE49-F238E27FC236}">
                 <a16:creationId xmlns:a16="http://schemas.microsoft.com/office/drawing/2014/main" id="{A4497C31-F3CA-B543-975A-8A4294843D12}"/>
+              </a:ext>
+            </a:extLst>
+          </p:cNvPr>
+          <p:cNvPicPr>
+            <a:picLocks noChangeAspect="1" noChangeArrowheads="1"/>
+          </p:cNvPicPr>
+          <p:nvPr/>
+        </p:nvPicPr>
+        <p:blipFill>
+          <a:blip r:embed="rId3">
+            <a:extLst>
+              <a:ext uri="{28A0092B-C50C-407E-A947-70E740481C1C}">
+                <a14:useLocalDpi xmlns:a14="http://schemas.microsoft.com/office/drawing/2010/main" val="0"/>
+              </a:ext>
+            </a:extLst>
+          </a:blip>
+          <a:srcRect/>
+          <a:stretch>
+            <a:fillRect/>
+          </a:stretch>
+        </p:blipFill>
+        <p:spPr bwMode="auto">
+          <a:xfrm>
+            <a:off x="0" y="0"/>
+            <a:ext cx="12700" cy="355600"/>
+          </a:xfrm>
+          <a:prstGeom prst="rect">
+            <a:avLst/>
+          </a:prstGeom>
+          <a:noFill/>
+          <a:extLst>
+            <a:ext uri="{909E8E84-426E-40DD-AFC4-6F175D3DCCD1}">
+              <a14:hiddenFill xmlns:a14="http://schemas.microsoft.com/office/drawing/2010/main">
+                <a:solidFill>
+                  <a:srgbClr val="FFFFFF"/>
+                </a:solidFill>
+              </a14:hiddenFill>
+            </a:ext>
+          </a:extLst>
+        </p:spPr>
+      </p:pic>
+      <p:pic>
+        <p:nvPicPr>
+          <p:cNvPr id="1095" name="Picture 71" descr="page1image9501120">
+            <a:extLst>
+              <a:ext uri="{FF2B5EF4-FFF2-40B4-BE49-F238E27FC236}">
+                <a16:creationId xmlns:a16="http://schemas.microsoft.com/office/drawing/2014/main" id="{C6CE941A-DF9C-9B48-B9D8-31DF36C55C1B}"/>
               </a:ext>
             </a:extLst>
           </p:cNvPr>
@@ -4382,10 +4408,10 @@
       </p:pic>
       <p:pic>
         <p:nvPicPr>
-          <p:cNvPr id="1095" name="Picture 71" descr="page1image9501120">
+          <p:cNvPr id="1165" name="Picture 141" descr="page1image9496320">
             <a:extLst>
               <a:ext uri="{FF2B5EF4-FFF2-40B4-BE49-F238E27FC236}">
-                <a16:creationId xmlns:a16="http://schemas.microsoft.com/office/drawing/2014/main" id="{C6CE941A-DF9C-9B48-B9D8-31DF36C55C1B}"/>
+                <a16:creationId xmlns:a16="http://schemas.microsoft.com/office/drawing/2014/main" id="{46F062BA-6756-A549-88F0-470CE4A73B9E}"/>
               </a:ext>
             </a:extLst>
           </p:cNvPr>
@@ -4395,7 +4421,7 @@
           <p:nvPr/>
         </p:nvPicPr>
         <p:blipFill>
-          <a:blip r:embed="rId5">
+          <a:blip r:embed="rId3">
             <a:extLst>
               <a:ext uri="{28A0092B-C50C-407E-A947-70E740481C1C}">
                 <a14:useLocalDpi xmlns:a14="http://schemas.microsoft.com/office/drawing/2010/main" val="0"/>
@@ -4429,53 +4455,6 @@
       </p:pic>
       <p:pic>
         <p:nvPicPr>
-          <p:cNvPr id="1165" name="Picture 141" descr="page1image9496320">
-            <a:extLst>
-              <a:ext uri="{FF2B5EF4-FFF2-40B4-BE49-F238E27FC236}">
-                <a16:creationId xmlns:a16="http://schemas.microsoft.com/office/drawing/2014/main" id="{46F062BA-6756-A549-88F0-470CE4A73B9E}"/>
-              </a:ext>
-            </a:extLst>
-          </p:cNvPr>
-          <p:cNvPicPr>
-            <a:picLocks noChangeAspect="1" noChangeArrowheads="1"/>
-          </p:cNvPicPr>
-          <p:nvPr/>
-        </p:nvPicPr>
-        <p:blipFill>
-          <a:blip r:embed="rId4">
-            <a:extLst>
-              <a:ext uri="{28A0092B-C50C-407E-A947-70E740481C1C}">
-                <a14:useLocalDpi xmlns:a14="http://schemas.microsoft.com/office/drawing/2010/main" val="0"/>
-              </a:ext>
-            </a:extLst>
-          </a:blip>
-          <a:srcRect/>
-          <a:stretch>
-            <a:fillRect/>
-          </a:stretch>
-        </p:blipFill>
-        <p:spPr bwMode="auto">
-          <a:xfrm>
-            <a:off x="0" y="0"/>
-            <a:ext cx="12700" cy="355600"/>
-          </a:xfrm>
-          <a:prstGeom prst="rect">
-            <a:avLst/>
-          </a:prstGeom>
-          <a:noFill/>
-          <a:extLst>
-            <a:ext uri="{909E8E84-426E-40DD-AFC4-6F175D3DCCD1}">
-              <a14:hiddenFill xmlns:a14="http://schemas.microsoft.com/office/drawing/2010/main">
-                <a:solidFill>
-                  <a:srgbClr val="FFFFFF"/>
-                </a:solidFill>
-              </a14:hiddenFill>
-            </a:ext>
-          </a:extLst>
-        </p:spPr>
-      </p:pic>
-      <p:pic>
-        <p:nvPicPr>
           <p:cNvPr id="1235" name="Picture 211" descr="page1image9501120">
             <a:extLst>
               <a:ext uri="{FF2B5EF4-FFF2-40B4-BE49-F238E27FC236}">
@@ -4489,7 +4468,7 @@
           <p:nvPr/>
         </p:nvPicPr>
         <p:blipFill>
-          <a:blip r:embed="rId5">
+          <a:blip r:embed="rId4">
             <a:extLst>
               <a:ext uri="{28A0092B-C50C-407E-A947-70E740481C1C}">
                 <a14:useLocalDpi xmlns:a14="http://schemas.microsoft.com/office/drawing/2010/main" val="0"/>
@@ -5175,15 +5154,7 @@
             </a:r>
             <a:r>
               <a:rPr lang="en-US" dirty="0"/>
-              <a:t>, IL is 508 (City-</a:t>
-            </a:r>
-            <a:r>
-              <a:rPr lang="en-US" dirty="0" err="1"/>
-              <a:t>Data.com</a:t>
-            </a:r>
-            <a:r>
-              <a:rPr lang="en-US" dirty="0"/>
-              <a:t> </a:t>
+              <a:t>, IL is 508 (City-Data.com </a:t>
             </a:r>
             <a:r>
               <a:rPr lang="en-US" b="1" dirty="0"/>
@@ -5191,15 +5162,7 @@
             </a:r>
             <a:r>
               <a:rPr lang="en-US" dirty="0"/>
-              <a:t> index), which is 1.8 times </a:t>
-            </a:r>
-            <a:r>
-              <a:rPr lang="en-US" dirty="0" err="1"/>
-              <a:t>greather</a:t>
-            </a:r>
-            <a:r>
-              <a:rPr lang="en-US" dirty="0"/>
-              <a:t> than the U.S. average. </a:t>
+              <a:t> index), which is 1.8 times greater than the U.S. average. </a:t>
             </a:r>
           </a:p>
           <a:p>
@@ -5274,35 +5237,6 @@
           </a:p>
         </p:txBody>
       </p:sp>
-      <p:pic>
-        <p:nvPicPr>
-          <p:cNvPr id="7" name="Picture 6">
-            <a:extLst>
-              <a:ext uri="{FF2B5EF4-FFF2-40B4-BE49-F238E27FC236}">
-                <a16:creationId xmlns:a16="http://schemas.microsoft.com/office/drawing/2014/main" id="{93D4BB48-ECA5-1348-9BAE-4F95F104751D}"/>
-              </a:ext>
-            </a:extLst>
-          </p:cNvPr>
-          <p:cNvPicPr>
-            <a:picLocks noChangeAspect="1"/>
-          </p:cNvPicPr>
-          <p:nvPr/>
-        </p:nvPicPr>
-        <p:blipFill rotWithShape="1">
-          <a:blip r:embed="rId2"/>
-          <a:srcRect b="81578"/>
-          <a:stretch/>
-        </p:blipFill>
-        <p:spPr>
-          <a:xfrm>
-            <a:off x="101600" y="6445219"/>
-            <a:ext cx="4470400" cy="416864"/>
-          </a:xfrm>
-          <a:prstGeom prst="rect">
-            <a:avLst/>
-          </a:prstGeom>
-        </p:spPr>
-      </p:pic>
     </p:spTree>
     <p:extLst>
       <p:ext uri="{BB962C8B-B14F-4D97-AF65-F5344CB8AC3E}">
@@ -6953,7 +6887,7 @@
         <p:spPr>
           <a:xfrm>
             <a:off x="1643865" y="2936113"/>
-            <a:ext cx="1055097" cy="369332"/>
+            <a:ext cx="1072730" cy="369332"/>
           </a:xfrm>
           <a:prstGeom prst="rect">
             <a:avLst/>
@@ -6972,7 +6906,7 @@
                   <a:schemeClr val="bg1"/>
                 </a:solidFill>
               </a:rPr>
-              <a:t>Flask app</a:t>
+              <a:t>Flask-app</a:t>
             </a:r>
           </a:p>
         </p:txBody>
@@ -7121,7 +7055,7 @@
         <p:spPr>
           <a:xfrm>
             <a:off x="5522699" y="5381971"/>
-            <a:ext cx="1037335" cy="369332"/>
+            <a:ext cx="1058175" cy="369332"/>
           </a:xfrm>
           <a:prstGeom prst="rect">
             <a:avLst/>
@@ -7140,7 +7074,7 @@
                   <a:schemeClr val="bg1"/>
                 </a:solidFill>
               </a:rPr>
-              <a:t>database</a:t>
+              <a:t>Database</a:t>
             </a:r>
           </a:p>
         </p:txBody>
@@ -7159,7 +7093,7 @@
         </p:nvSpPr>
         <p:spPr>
           <a:xfrm>
-            <a:off x="1623283" y="5889963"/>
+            <a:off x="55599" y="4274765"/>
             <a:ext cx="1094915" cy="369332"/>
           </a:xfrm>
           <a:prstGeom prst="rect">
@@ -7221,164 +7155,6 @@
       </p:grpSpPr>
       <p:sp>
         <p:nvSpPr>
-          <p:cNvPr id="3" name="Google Shape;76;p16">
-            <a:extLst>
-              <a:ext uri="{FF2B5EF4-FFF2-40B4-BE49-F238E27FC236}">
-                <a16:creationId xmlns:a16="http://schemas.microsoft.com/office/drawing/2014/main" id="{1DECAFE2-ECB7-DF41-B54D-8242233DC40B}"/>
-              </a:ext>
-            </a:extLst>
-          </p:cNvPr>
-          <p:cNvSpPr txBox="1">
-            <a:spLocks noGrp="1"/>
-          </p:cNvSpPr>
-          <p:nvPr>
-            <p:ph type="title"/>
-          </p:nvPr>
-        </p:nvSpPr>
-        <p:spPr>
-          <a:xfrm>
-            <a:off x="89012" y="129401"/>
-            <a:ext cx="8876894" cy="590790"/>
-          </a:xfrm>
-          <a:prstGeom prst="rect">
-            <a:avLst/>
-          </a:prstGeom>
-        </p:spPr>
-        <p:txBody>
-          <a:bodyPr spcFirstLastPara="1" wrap="square" lIns="91425" tIns="91425" rIns="91425" bIns="91425" anchor="t" anchorCtr="0">
-            <a:noAutofit/>
-          </a:bodyPr>
-          <a:lstStyle/>
-          <a:p>
-            <a:pPr marL="0" lvl="0" indent="0" algn="ctr" rtl="0">
-              <a:spcBef>
-                <a:spcPts val="0"/>
-              </a:spcBef>
-              <a:spcAft>
-                <a:spcPts val="0"/>
-              </a:spcAft>
-              <a:buNone/>
-            </a:pPr>
-            <a:r>
-              <a:rPr lang="en-US" sz="2800" b="1" dirty="0"/>
-              <a:t>Dashboard</a:t>
-            </a:r>
-            <a:endParaRPr sz="2800" b="1" dirty="0"/>
-          </a:p>
-        </p:txBody>
-      </p:sp>
-      <p:pic>
-        <p:nvPicPr>
-          <p:cNvPr id="7" name="Picture 6">
-            <a:extLst>
-              <a:ext uri="{FF2B5EF4-FFF2-40B4-BE49-F238E27FC236}">
-                <a16:creationId xmlns:a16="http://schemas.microsoft.com/office/drawing/2014/main" id="{C0AAC151-9F24-584B-8EFB-316BA3A5A508}"/>
-              </a:ext>
-            </a:extLst>
-          </p:cNvPr>
-          <p:cNvPicPr>
-            <a:picLocks noChangeAspect="1"/>
-          </p:cNvPicPr>
-          <p:nvPr/>
-        </p:nvPicPr>
-        <p:blipFill rotWithShape="1">
-          <a:blip r:embed="rId2"/>
-          <a:srcRect b="81578"/>
-          <a:stretch/>
-        </p:blipFill>
-        <p:spPr>
-          <a:xfrm>
-            <a:off x="0" y="6520167"/>
-            <a:ext cx="4470400" cy="416864"/>
-          </a:xfrm>
-          <a:prstGeom prst="rect">
-            <a:avLst/>
-          </a:prstGeom>
-        </p:spPr>
-      </p:pic>
-      <p:sp>
-        <p:nvSpPr>
-          <p:cNvPr id="4" name="TextBox 3">
-            <a:extLst>
-              <a:ext uri="{FF2B5EF4-FFF2-40B4-BE49-F238E27FC236}">
-                <a16:creationId xmlns:a16="http://schemas.microsoft.com/office/drawing/2014/main" id="{E7D76E91-5941-CC4C-9402-A9EC686E9F53}"/>
-              </a:ext>
-            </a:extLst>
-          </p:cNvPr>
-          <p:cNvSpPr txBox="1"/>
-          <p:nvPr/>
-        </p:nvSpPr>
-        <p:spPr>
-          <a:xfrm>
-            <a:off x="883578" y="2712377"/>
-            <a:ext cx="7777537" cy="523220"/>
-          </a:xfrm>
-          <a:prstGeom prst="rect">
-            <a:avLst/>
-          </a:prstGeom>
-          <a:noFill/>
-        </p:spPr>
-        <p:txBody>
-          <a:bodyPr wrap="square" rtlCol="0">
-            <a:spAutoFit/>
-          </a:bodyPr>
-          <a:lstStyle/>
-          <a:p>
-            <a:r>
-              <a:rPr lang="en-US" sz="2800" b="1" dirty="0">
-                <a:solidFill>
-                  <a:schemeClr val="bg1"/>
-                </a:solidFill>
-                <a:hlinkClick r:id="rId3">
-                  <a:extLst>
-                    <a:ext uri="{A12FA001-AC4F-418D-AE19-62706E023703}">
-                      <ahyp:hlinkClr xmlns:ahyp="http://schemas.microsoft.com/office/drawing/2018/hyperlinkcolor" val="tx"/>
-                    </a:ext>
-                  </a:extLst>
-                </a:hlinkClick>
-              </a:rPr>
-              <a:t>https://crime-busters.herokuapp.com/</a:t>
-            </a:r>
-            <a:endParaRPr lang="en-US" sz="2800" b="1" dirty="0">
-              <a:solidFill>
-                <a:schemeClr val="bg1"/>
-              </a:solidFill>
-            </a:endParaRPr>
-          </a:p>
-        </p:txBody>
-      </p:sp>
-    </p:spTree>
-    <p:extLst>
-      <p:ext uri="{BB962C8B-B14F-4D97-AF65-F5344CB8AC3E}">
-        <p14:creationId xmlns:p14="http://schemas.microsoft.com/office/powerpoint/2010/main" val="3849162348"/>
-      </p:ext>
-    </p:extLst>
-  </p:cSld>
-  <p:clrMapOvr>
-    <a:masterClrMapping/>
-  </p:clrMapOvr>
-</p:sld>
-</file>
-
-<file path=ppt/slides/slide7.xml><?xml version="1.0" encoding="utf-8"?>
-<p:sld xmlns:a="http://schemas.openxmlformats.org/drawingml/2006/main" xmlns:r="http://schemas.openxmlformats.org/officeDocument/2006/relationships" xmlns:p="http://schemas.openxmlformats.org/presentationml/2006/main">
-  <p:cSld>
-    <p:spTree>
-      <p:nvGrpSpPr>
-        <p:cNvPr id="1" name=""/>
-        <p:cNvGrpSpPr/>
-        <p:nvPr/>
-      </p:nvGrpSpPr>
-      <p:grpSpPr>
-        <a:xfrm>
-          <a:off x="0" y="0"/>
-          <a:ext cx="0" cy="0"/>
-          <a:chOff x="0" y="0"/>
-          <a:chExt cx="0" cy="0"/>
-        </a:xfrm>
-      </p:grpSpPr>
-      <p:sp>
-        <p:nvSpPr>
           <p:cNvPr id="5" name="Google Shape;76;p16">
             <a:extLst>
               <a:ext uri="{FF2B5EF4-FFF2-40B4-BE49-F238E27FC236}">
@@ -7410,13 +7186,8 @@
           <a:p>
             <a:r>
               <a:rPr lang="en-US" sz="2800" dirty="0"/>
-              <a:t>Crime and unemployment </a:t>
-            </a:r>
-            <a:r>
-              <a:rPr lang="en-US" sz="2800" dirty="0" err="1"/>
-              <a:t>Geomap</a:t>
-            </a:r>
-            <a:endParaRPr lang="en-US" sz="2800" dirty="0"/>
+              <a:t>Crime and Unemployment Geo-Map</a:t>
+            </a:r>
           </a:p>
         </p:txBody>
       </p:sp>
@@ -7492,6 +7263,136 @@
     <p:extLst>
       <p:ext uri="{BB962C8B-B14F-4D97-AF65-F5344CB8AC3E}">
         <p14:creationId xmlns:p14="http://schemas.microsoft.com/office/powerpoint/2010/main" val="3217654902"/>
+      </p:ext>
+    </p:extLst>
+  </p:cSld>
+  <p:clrMapOvr>
+    <a:masterClrMapping/>
+  </p:clrMapOvr>
+</p:sld>
+</file>
+
+<file path=ppt/slides/slide7.xml><?xml version="1.0" encoding="utf-8"?>
+<p:sld xmlns:a="http://schemas.openxmlformats.org/drawingml/2006/main" xmlns:r="http://schemas.openxmlformats.org/officeDocument/2006/relationships" xmlns:p="http://schemas.openxmlformats.org/presentationml/2006/main">
+  <p:cSld>
+    <p:spTree>
+      <p:nvGrpSpPr>
+        <p:cNvPr id="1" name=""/>
+        <p:cNvGrpSpPr/>
+        <p:nvPr/>
+      </p:nvGrpSpPr>
+      <p:grpSpPr>
+        <a:xfrm>
+          <a:off x="0" y="0"/>
+          <a:ext cx="0" cy="0"/>
+          <a:chOff x="0" y="0"/>
+          <a:chExt cx="0" cy="0"/>
+        </a:xfrm>
+      </p:grpSpPr>
+      <p:sp>
+        <p:nvSpPr>
+          <p:cNvPr id="3" name="Google Shape;76;p16">
+            <a:extLst>
+              <a:ext uri="{FF2B5EF4-FFF2-40B4-BE49-F238E27FC236}">
+                <a16:creationId xmlns:a16="http://schemas.microsoft.com/office/drawing/2014/main" id="{1DECAFE2-ECB7-DF41-B54D-8242233DC40B}"/>
+              </a:ext>
+            </a:extLst>
+          </p:cNvPr>
+          <p:cNvSpPr txBox="1">
+            <a:spLocks noGrp="1"/>
+          </p:cNvSpPr>
+          <p:nvPr>
+            <p:ph type="title"/>
+          </p:nvPr>
+        </p:nvSpPr>
+        <p:spPr>
+          <a:xfrm>
+            <a:off x="89012" y="129401"/>
+            <a:ext cx="8876894" cy="590790"/>
+          </a:xfrm>
+          <a:prstGeom prst="rect">
+            <a:avLst/>
+          </a:prstGeom>
+        </p:spPr>
+        <p:txBody>
+          <a:bodyPr spcFirstLastPara="1" wrap="square" lIns="91425" tIns="91425" rIns="91425" bIns="91425" anchor="t" anchorCtr="0">
+            <a:noAutofit/>
+          </a:bodyPr>
+          <a:lstStyle/>
+          <a:p>
+            <a:pPr marL="0" lvl="0" indent="0" algn="ctr" rtl="0">
+              <a:spcBef>
+                <a:spcPts val="0"/>
+              </a:spcBef>
+              <a:spcAft>
+                <a:spcPts val="0"/>
+              </a:spcAft>
+              <a:buNone/>
+            </a:pPr>
+            <a:r>
+              <a:rPr lang="en-US" sz="2800" b="1" dirty="0"/>
+              <a:t>Dashboard</a:t>
+            </a:r>
+            <a:endParaRPr sz="2800" b="1" dirty="0"/>
+          </a:p>
+        </p:txBody>
+      </p:sp>
+      <p:sp>
+        <p:nvSpPr>
+          <p:cNvPr id="4" name="TextBox 3">
+            <a:extLst>
+              <a:ext uri="{FF2B5EF4-FFF2-40B4-BE49-F238E27FC236}">
+                <a16:creationId xmlns:a16="http://schemas.microsoft.com/office/drawing/2014/main" id="{E7D76E91-5941-CC4C-9402-A9EC686E9F53}"/>
+              </a:ext>
+            </a:extLst>
+          </p:cNvPr>
+          <p:cNvSpPr txBox="1"/>
+          <p:nvPr/>
+        </p:nvSpPr>
+        <p:spPr>
+          <a:xfrm>
+            <a:off x="883578" y="2712377"/>
+            <a:ext cx="7777537" cy="523220"/>
+          </a:xfrm>
+          <a:prstGeom prst="rect">
+            <a:avLst/>
+          </a:prstGeom>
+          <a:noFill/>
+        </p:spPr>
+        <p:txBody>
+          <a:bodyPr wrap="square" rtlCol="0">
+            <a:spAutoFit/>
+          </a:bodyPr>
+          <a:lstStyle/>
+          <a:p>
+            <a:pPr algn="ctr"/>
+            <a:r>
+              <a:rPr lang="en-US" sz="2800" b="1" dirty="0">
+                <a:solidFill>
+                  <a:schemeClr val="bg1"/>
+                </a:solidFill>
+                <a:hlinkClick r:id="rId2">
+                  <a:extLst>
+                    <a:ext uri="{A12FA001-AC4F-418D-AE19-62706E023703}">
+                      <ahyp:hlinkClr xmlns:ahyp="http://schemas.microsoft.com/office/drawing/2018/hyperlinkcolor" val="tx"/>
+                    </a:ext>
+                  </a:extLst>
+                </a:hlinkClick>
+              </a:rPr>
+              <a:t>https://crime-busters.herokuapp.com/</a:t>
+            </a:r>
+            <a:endParaRPr lang="en-US" sz="2800" b="1" dirty="0">
+              <a:solidFill>
+                <a:schemeClr val="bg1"/>
+              </a:solidFill>
+            </a:endParaRPr>
+          </a:p>
+        </p:txBody>
+      </p:sp>
+    </p:spTree>
+    <p:extLst>
+      <p:ext uri="{BB962C8B-B14F-4D97-AF65-F5344CB8AC3E}">
+        <p14:creationId xmlns:p14="http://schemas.microsoft.com/office/powerpoint/2010/main" val="3849162348"/>
       </p:ext>
     </p:extLst>
   </p:cSld>
@@ -7618,52 +7519,6 @@
           </a:p>
         </p:txBody>
       </p:sp>
-      <p:pic>
-        <p:nvPicPr>
-          <p:cNvPr id="6" name="Picture 5">
-            <a:extLst>
-              <a:ext uri="{FF2B5EF4-FFF2-40B4-BE49-F238E27FC236}">
-                <a16:creationId xmlns:a16="http://schemas.microsoft.com/office/drawing/2014/main" id="{90A475CC-BD2B-4842-9479-8969353C2D75}"/>
-              </a:ext>
-            </a:extLst>
-          </p:cNvPr>
-          <p:cNvPicPr>
-            <a:picLocks noChangeAspect="1"/>
-          </p:cNvPicPr>
-          <p:nvPr/>
-        </p:nvPicPr>
-        <p:blipFill>
-          <a:blip r:embed="rId3">
-            <a:alphaModFix amt="59000"/>
-            <a:extLst>
-              <a:ext uri="{BEBA8EAE-BF5A-486C-A8C5-ECC9F3942E4B}">
-                <a14:imgProps xmlns:a14="http://schemas.microsoft.com/office/drawing/2010/main">
-                  <a14:imgLayer r:embed="rId4">
-                    <a14:imgEffect>
-                      <a14:colorTemperature colorTemp="4093"/>
-                    </a14:imgEffect>
-                  </a14:imgLayer>
-                </a14:imgProps>
-              </a:ext>
-            </a:extLst>
-          </a:blip>
-          <a:stretch>
-            <a:fillRect/>
-          </a:stretch>
-        </p:blipFill>
-        <p:spPr>
-          <a:xfrm>
-            <a:off x="311700" y="701279"/>
-            <a:ext cx="2600465" cy="1644478"/>
-          </a:xfrm>
-          <a:prstGeom prst="rect">
-            <a:avLst/>
-          </a:prstGeom>
-          <a:effectLst>
-            <a:softEdge rad="342900"/>
-          </a:effectLst>
-        </p:spPr>
-      </p:pic>
       <p:sp>
         <p:nvSpPr>
           <p:cNvPr id="14" name="TextBox 13">
@@ -7678,7 +7533,7 @@
         </p:nvSpPr>
         <p:spPr>
           <a:xfrm>
-            <a:off x="5941111" y="584799"/>
+            <a:off x="6482575" y="4030819"/>
             <a:ext cx="3033345" cy="2246769"/>
           </a:xfrm>
           <a:prstGeom prst="rect">
@@ -7706,6 +7561,18 @@
           <a:p>
             <a:pPr algn="ctr"/>
             <a:r>
+              <a:rPr lang="en-US" sz="2000" b="1" dirty="0">
+                <a:solidFill>
+                  <a:schemeClr val="bg1"/>
+                </a:solidFill>
+                <a:latin typeface="Chalkboard SE" panose="03050602040202020205" pitchFamily="66" charset="77"/>
+              </a:rPr>
+              <a:t>Petra Lee</a:t>
+            </a:r>
+          </a:p>
+          <a:p>
+            <a:pPr algn="ctr"/>
+            <a:r>
               <a:rPr lang="en-US" sz="2000" b="1" dirty="0" err="1">
                 <a:solidFill>
                   <a:schemeClr val="bg1"/>
@@ -7748,18 +7615,6 @@
                 </a:solidFill>
                 <a:latin typeface="Chalkboard SE" panose="03050602040202020205" pitchFamily="66" charset="77"/>
               </a:rPr>
-              <a:t>Petra Lee</a:t>
-            </a:r>
-          </a:p>
-          <a:p>
-            <a:pPr algn="ctr"/>
-            <a:r>
-              <a:rPr lang="en-US" sz="2000" b="1" dirty="0">
-                <a:solidFill>
-                  <a:schemeClr val="bg1"/>
-                </a:solidFill>
-                <a:latin typeface="Chalkboard SE" panose="03050602040202020205" pitchFamily="66" charset="77"/>
-              </a:rPr>
               <a:t>Abdullah Sher</a:t>
             </a:r>
           </a:p>
@@ -7795,36 +7650,6 @@
           </a:p>
         </p:txBody>
       </p:sp>
-      <p:pic>
-        <p:nvPicPr>
-          <p:cNvPr id="17" name="Picture 16">
-            <a:extLst>
-              <a:ext uri="{FF2B5EF4-FFF2-40B4-BE49-F238E27FC236}">
-                <a16:creationId xmlns:a16="http://schemas.microsoft.com/office/drawing/2014/main" id="{92EEBF78-FA61-6746-A936-43AE5826E927}"/>
-              </a:ext>
-            </a:extLst>
-          </p:cNvPr>
-          <p:cNvPicPr>
-            <a:picLocks noChangeAspect="1"/>
-          </p:cNvPicPr>
-          <p:nvPr/>
-        </p:nvPicPr>
-        <p:blipFill>
-          <a:blip r:embed="rId5"/>
-          <a:stretch>
-            <a:fillRect/>
-          </a:stretch>
-        </p:blipFill>
-        <p:spPr>
-          <a:xfrm>
-            <a:off x="5801683" y="4499697"/>
-            <a:ext cx="3312202" cy="1309014"/>
-          </a:xfrm>
-          <a:prstGeom prst="rect">
-            <a:avLst/>
-          </a:prstGeom>
-        </p:spPr>
-      </p:pic>
       <p:sp>
         <p:nvSpPr>
           <p:cNvPr id="18" name="TextBox 17">
@@ -7898,7 +7723,7 @@
                 <a:solidFill>
                   <a:schemeClr val="bg1"/>
                 </a:solidFill>
-                <a:hlinkClick r:id="rId6">
+                <a:hlinkClick r:id="rId3">
                   <a:extLst>
                     <a:ext uri="{A12FA001-AC4F-418D-AE19-62706E023703}">
                       <ahyp:hlinkClr xmlns:ahyp="http://schemas.microsoft.com/office/drawing/2018/hyperlinkcolor" val="tx"/>
@@ -7931,7 +7756,7 @@
           <p:nvPr/>
         </p:nvPicPr>
         <p:blipFill>
-          <a:blip r:embed="rId7"/>
+          <a:blip r:embed="rId4"/>
           <a:stretch>
             <a:fillRect/>
           </a:stretch>
@@ -7961,14 +7786,14 @@
           <p:nvPr/>
         </p:nvPicPr>
         <p:blipFill>
-          <a:blip r:embed="rId8"/>
+          <a:blip r:embed="rId5"/>
           <a:stretch>
             <a:fillRect/>
           </a:stretch>
         </p:blipFill>
         <p:spPr>
           <a:xfrm>
-            <a:off x="3197096" y="4546800"/>
+            <a:off x="3558776" y="4546800"/>
             <a:ext cx="2496616" cy="1398105"/>
           </a:xfrm>
           <a:prstGeom prst="rect">
